--- a/모듈시험자료/[모듈] 5. 응용SW.pptx
+++ b/모듈시험자료/[모듈] 5. 응용SW.pptx
@@ -12,6 +12,9 @@
     <p:sldId id="261" r:id="rId6"/>
     <p:sldId id="259" r:id="rId7"/>
     <p:sldId id="262" r:id="rId8"/>
+    <p:sldId id="263" r:id="rId9"/>
+    <p:sldId id="264" r:id="rId10"/>
+    <p:sldId id="265" r:id="rId11"/>
   </p:sldIdLst>
   <p:sldSz cx="12192000" cy="6858000"/>
   <p:notesSz cx="6858000" cy="9144000"/>
@@ -265,7 +268,7 @@
           <a:p>
             <a:fld id="{1D5F23D8-EC25-4018-9CD7-C53C9D694542}" type="datetimeFigureOut">
               <a:rPr lang="ko-KR" altLang="en-US" smtClean="0"/>
-              <a:t>2025-08-05</a:t>
+              <a:t>2025-08-06</a:t>
             </a:fld>
             <a:endParaRPr lang="ko-KR" altLang="en-US"/>
           </a:p>
@@ -463,7 +466,7 @@
           <a:p>
             <a:fld id="{1D5F23D8-EC25-4018-9CD7-C53C9D694542}" type="datetimeFigureOut">
               <a:rPr lang="ko-KR" altLang="en-US" smtClean="0"/>
-              <a:t>2025-08-05</a:t>
+              <a:t>2025-08-06</a:t>
             </a:fld>
             <a:endParaRPr lang="ko-KR" altLang="en-US"/>
           </a:p>
@@ -671,7 +674,7 @@
           <a:p>
             <a:fld id="{1D5F23D8-EC25-4018-9CD7-C53C9D694542}" type="datetimeFigureOut">
               <a:rPr lang="ko-KR" altLang="en-US" smtClean="0"/>
-              <a:t>2025-08-05</a:t>
+              <a:t>2025-08-06</a:t>
             </a:fld>
             <a:endParaRPr lang="ko-KR" altLang="en-US"/>
           </a:p>
@@ -869,7 +872,7 @@
           <a:p>
             <a:fld id="{1D5F23D8-EC25-4018-9CD7-C53C9D694542}" type="datetimeFigureOut">
               <a:rPr lang="ko-KR" altLang="en-US" smtClean="0"/>
-              <a:t>2025-08-05</a:t>
+              <a:t>2025-08-06</a:t>
             </a:fld>
             <a:endParaRPr lang="ko-KR" altLang="en-US"/>
           </a:p>
@@ -1144,7 +1147,7 @@
           <a:p>
             <a:fld id="{1D5F23D8-EC25-4018-9CD7-C53C9D694542}" type="datetimeFigureOut">
               <a:rPr lang="ko-KR" altLang="en-US" smtClean="0"/>
-              <a:t>2025-08-05</a:t>
+              <a:t>2025-08-06</a:t>
             </a:fld>
             <a:endParaRPr lang="ko-KR" altLang="en-US"/>
           </a:p>
@@ -1409,7 +1412,7 @@
           <a:p>
             <a:fld id="{1D5F23D8-EC25-4018-9CD7-C53C9D694542}" type="datetimeFigureOut">
               <a:rPr lang="ko-KR" altLang="en-US" smtClean="0"/>
-              <a:t>2025-08-05</a:t>
+              <a:t>2025-08-06</a:t>
             </a:fld>
             <a:endParaRPr lang="ko-KR" altLang="en-US"/>
           </a:p>
@@ -1821,7 +1824,7 @@
           <a:p>
             <a:fld id="{1D5F23D8-EC25-4018-9CD7-C53C9D694542}" type="datetimeFigureOut">
               <a:rPr lang="ko-KR" altLang="en-US" smtClean="0"/>
-              <a:t>2025-08-05</a:t>
+              <a:t>2025-08-06</a:t>
             </a:fld>
             <a:endParaRPr lang="ko-KR" altLang="en-US"/>
           </a:p>
@@ -1962,7 +1965,7 @@
           <a:p>
             <a:fld id="{1D5F23D8-EC25-4018-9CD7-C53C9D694542}" type="datetimeFigureOut">
               <a:rPr lang="ko-KR" altLang="en-US" smtClean="0"/>
-              <a:t>2025-08-05</a:t>
+              <a:t>2025-08-06</a:t>
             </a:fld>
             <a:endParaRPr lang="ko-KR" altLang="en-US"/>
           </a:p>
@@ -2075,7 +2078,7 @@
           <a:p>
             <a:fld id="{1D5F23D8-EC25-4018-9CD7-C53C9D694542}" type="datetimeFigureOut">
               <a:rPr lang="ko-KR" altLang="en-US" smtClean="0"/>
-              <a:t>2025-08-05</a:t>
+              <a:t>2025-08-06</a:t>
             </a:fld>
             <a:endParaRPr lang="ko-KR" altLang="en-US"/>
           </a:p>
@@ -2386,7 +2389,7 @@
           <a:p>
             <a:fld id="{1D5F23D8-EC25-4018-9CD7-C53C9D694542}" type="datetimeFigureOut">
               <a:rPr lang="ko-KR" altLang="en-US" smtClean="0"/>
-              <a:t>2025-08-05</a:t>
+              <a:t>2025-08-06</a:t>
             </a:fld>
             <a:endParaRPr lang="ko-KR" altLang="en-US"/>
           </a:p>
@@ -2674,7 +2677,7 @@
           <a:p>
             <a:fld id="{1D5F23D8-EC25-4018-9CD7-C53C9D694542}" type="datetimeFigureOut">
               <a:rPr lang="ko-KR" altLang="en-US" smtClean="0"/>
-              <a:t>2025-08-05</a:t>
+              <a:t>2025-08-06</a:t>
             </a:fld>
             <a:endParaRPr lang="ko-KR" altLang="en-US"/>
           </a:p>
@@ -2915,7 +2918,7 @@
           <a:p>
             <a:fld id="{1D5F23D8-EC25-4018-9CD7-C53C9D694542}" type="datetimeFigureOut">
               <a:rPr lang="ko-KR" altLang="en-US" smtClean="0"/>
-              <a:t>2025-08-05</a:t>
+              <a:t>2025-08-06</a:t>
             </a:fld>
             <a:endParaRPr lang="ko-KR" altLang="en-US"/>
           </a:p>
@@ -3472,6 +3475,200 @@
 </p:sld>
 </file>
 
+<file path=ppt/slides/slide10.xml><?xml version="1.0" encoding="utf-8"?>
+<p:sld xmlns:a="http://schemas.openxmlformats.org/drawingml/2006/main" xmlns:r="http://schemas.openxmlformats.org/officeDocument/2006/relationships" xmlns:p="http://schemas.openxmlformats.org/presentationml/2006/main">
+  <p:cSld>
+    <p:bg>
+      <p:bgPr>
+        <a:solidFill>
+          <a:srgbClr val="2C3930"/>
+        </a:solidFill>
+        <a:effectLst/>
+      </p:bgPr>
+    </p:bg>
+    <p:spTree>
+      <p:nvGrpSpPr>
+        <p:cNvPr id="1" name=""/>
+        <p:cNvGrpSpPr/>
+        <p:nvPr/>
+      </p:nvGrpSpPr>
+      <p:grpSpPr>
+        <a:xfrm>
+          <a:off x="0" y="0"/>
+          <a:ext cx="0" cy="0"/>
+          <a:chOff x="0" y="0"/>
+          <a:chExt cx="0" cy="0"/>
+        </a:xfrm>
+      </p:grpSpPr>
+      <p:pic>
+        <p:nvPicPr>
+          <p:cNvPr id="11" name="그림 10">
+            <a:extLst>
+              <a:ext uri="{FF2B5EF4-FFF2-40B4-BE49-F238E27FC236}">
+                <a16:creationId xmlns:a16="http://schemas.microsoft.com/office/drawing/2014/main" id="{4FA3146C-C873-43F9-9004-6B3B0B0832AC}"/>
+              </a:ext>
+            </a:extLst>
+          </p:cNvPr>
+          <p:cNvPicPr>
+            <a:picLocks noChangeAspect="1"/>
+          </p:cNvPicPr>
+          <p:nvPr/>
+        </p:nvPicPr>
+        <p:blipFill>
+          <a:blip r:embed="rId2">
+            <a:extLst>
+              <a:ext uri="{28A0092B-C50C-407E-A947-70E740481C1C}">
+                <a14:useLocalDpi xmlns:a14="http://schemas.microsoft.com/office/drawing/2010/main" val="0"/>
+              </a:ext>
+            </a:extLst>
+          </a:blip>
+          <a:stretch>
+            <a:fillRect/>
+          </a:stretch>
+        </p:blipFill>
+        <p:spPr>
+          <a:xfrm>
+            <a:off x="179131" y="6917219"/>
+            <a:ext cx="3525675" cy="771837"/>
+          </a:xfrm>
+          <a:prstGeom prst="rect">
+            <a:avLst/>
+          </a:prstGeom>
+        </p:spPr>
+      </p:pic>
+      <p:sp>
+        <p:nvSpPr>
+          <p:cNvPr id="28" name="제목 27">
+            <a:extLst>
+              <a:ext uri="{FF2B5EF4-FFF2-40B4-BE49-F238E27FC236}">
+                <a16:creationId xmlns:a16="http://schemas.microsoft.com/office/drawing/2014/main" id="{915036D7-6872-454E-9683-74DC284D3DD7}"/>
+              </a:ext>
+            </a:extLst>
+          </p:cNvPr>
+          <p:cNvSpPr>
+            <a:spLocks noGrp="1"/>
+          </p:cNvSpPr>
+          <p:nvPr>
+            <p:ph type="title"/>
+          </p:nvPr>
+        </p:nvSpPr>
+        <p:spPr/>
+        <p:txBody>
+          <a:bodyPr/>
+          <a:lstStyle/>
+          <a:p>
+            <a:endParaRPr lang="ko-KR" altLang="en-US"/>
+          </a:p>
+        </p:txBody>
+      </p:sp>
+      <p:sp>
+        <p:nvSpPr>
+          <p:cNvPr id="3" name="내용 개체 틀 2">
+            <a:extLst>
+              <a:ext uri="{FF2B5EF4-FFF2-40B4-BE49-F238E27FC236}">
+                <a16:creationId xmlns:a16="http://schemas.microsoft.com/office/drawing/2014/main" id="{FA391BB5-6DF8-43CD-AA1D-5C476CE4B525}"/>
+              </a:ext>
+            </a:extLst>
+          </p:cNvPr>
+          <p:cNvSpPr>
+            <a:spLocks noGrp="1"/>
+          </p:cNvSpPr>
+          <p:nvPr>
+            <p:ph idx="1"/>
+          </p:nvPr>
+        </p:nvSpPr>
+        <p:spPr/>
+        <p:txBody>
+          <a:bodyPr/>
+          <a:lstStyle/>
+          <a:p>
+            <a:endParaRPr lang="ko-KR" altLang="en-US"/>
+          </a:p>
+        </p:txBody>
+      </p:sp>
+      <p:sp>
+        <p:nvSpPr>
+          <p:cNvPr id="16" name="제목 1">
+            <a:extLst>
+              <a:ext uri="{FF2B5EF4-FFF2-40B4-BE49-F238E27FC236}">
+                <a16:creationId xmlns:a16="http://schemas.microsoft.com/office/drawing/2014/main" id="{DC70CEF2-FC29-4B06-A003-15A4A4202666}"/>
+              </a:ext>
+            </a:extLst>
+          </p:cNvPr>
+          <p:cNvSpPr txBox="1">
+            <a:spLocks/>
+          </p:cNvSpPr>
+          <p:nvPr/>
+        </p:nvSpPr>
+        <p:spPr>
+          <a:xfrm>
+            <a:off x="0" y="1"/>
+            <a:ext cx="12191999" cy="1453881"/>
+          </a:xfrm>
+          <a:prstGeom prst="rect">
+            <a:avLst/>
+          </a:prstGeom>
+          <a:solidFill>
+            <a:schemeClr val="bg1"/>
+          </a:solidFill>
+        </p:spPr>
+        <p:txBody>
+          <a:bodyPr vert="horz" lIns="91440" tIns="45720" rIns="91440" bIns="45720" rtlCol="0" anchor="ctr">
+            <a:normAutofit/>
+          </a:bodyPr>
+          <a:lstStyle>
+            <a:lvl1pPr algn="l" defTabSz="914400" rtl="0" eaLnBrk="1" latinLnBrk="1" hangingPunct="1">
+              <a:lnSpc>
+                <a:spcPct val="90000"/>
+              </a:lnSpc>
+              <a:spcBef>
+                <a:spcPct val="0"/>
+              </a:spcBef>
+              <a:buNone/>
+              <a:defRPr sz="4400" kern="1200">
+                <a:solidFill>
+                  <a:schemeClr val="tx1"/>
+                </a:solidFill>
+                <a:latin typeface="+mj-lt"/>
+                <a:ea typeface="+mj-ea"/>
+                <a:cs typeface="+mj-cs"/>
+              </a:defRPr>
+            </a:lvl1pPr>
+          </a:lstStyle>
+          <a:p>
+            <a:pPr algn="ctr"/>
+            <a:r>
+              <a:rPr lang="en-US" altLang="ko-KR" dirty="0"/>
+              <a:t>3. Tomcat</a:t>
+            </a:r>
+            <a:r>
+              <a:rPr lang="ko-KR" altLang="en-US" dirty="0"/>
+              <a:t>설치 </a:t>
+            </a:r>
+            <a:r>
+              <a:rPr lang="en-US" altLang="ko-KR" dirty="0"/>
+              <a:t>+ </a:t>
+            </a:r>
+            <a:r>
+              <a:rPr lang="ko-KR" altLang="en-US" dirty="0"/>
+              <a:t>설정</a:t>
+            </a:r>
+          </a:p>
+        </p:txBody>
+      </p:sp>
+    </p:spTree>
+    <p:extLst>
+      <p:ext uri="{BB962C8B-B14F-4D97-AF65-F5344CB8AC3E}">
+        <p14:creationId xmlns:p14="http://schemas.microsoft.com/office/powerpoint/2010/main" val="1525650268"/>
+      </p:ext>
+    </p:extLst>
+  </p:cSld>
+  <p:clrMapOvr>
+    <a:masterClrMapping/>
+  </p:clrMapOvr>
+</p:sld>
+</file>
+
 <file path=ppt/slides/slide2.xml><?xml version="1.0" encoding="utf-8"?>
 <p:sld xmlns:a="http://schemas.openxmlformats.org/drawingml/2006/main" xmlns:r="http://schemas.openxmlformats.org/officeDocument/2006/relationships" xmlns:p="http://schemas.openxmlformats.org/presentationml/2006/main">
   <p:cSld>
@@ -7246,6 +7443,369 @@
     <p:extLst>
       <p:ext uri="{BB962C8B-B14F-4D97-AF65-F5344CB8AC3E}">
         <p14:creationId xmlns:p14="http://schemas.microsoft.com/office/powerpoint/2010/main" val="1412440597"/>
+      </p:ext>
+    </p:extLst>
+  </p:cSld>
+  <p:clrMapOvr>
+    <a:masterClrMapping/>
+  </p:clrMapOvr>
+</p:sld>
+</file>
+
+<file path=ppt/slides/slide8.xml><?xml version="1.0" encoding="utf-8"?>
+<p:sld xmlns:a="http://schemas.openxmlformats.org/drawingml/2006/main" xmlns:r="http://schemas.openxmlformats.org/officeDocument/2006/relationships" xmlns:p="http://schemas.openxmlformats.org/presentationml/2006/main">
+  <p:cSld>
+    <p:bg>
+      <p:bgPr>
+        <a:solidFill>
+          <a:srgbClr val="2C3930"/>
+        </a:solidFill>
+        <a:effectLst/>
+      </p:bgPr>
+    </p:bg>
+    <p:spTree>
+      <p:nvGrpSpPr>
+        <p:cNvPr id="1" name=""/>
+        <p:cNvGrpSpPr/>
+        <p:nvPr/>
+      </p:nvGrpSpPr>
+      <p:grpSpPr>
+        <a:xfrm>
+          <a:off x="0" y="0"/>
+          <a:ext cx="0" cy="0"/>
+          <a:chOff x="0" y="0"/>
+          <a:chExt cx="0" cy="0"/>
+        </a:xfrm>
+      </p:grpSpPr>
+      <p:pic>
+        <p:nvPicPr>
+          <p:cNvPr id="11" name="그림 10">
+            <a:extLst>
+              <a:ext uri="{FF2B5EF4-FFF2-40B4-BE49-F238E27FC236}">
+                <a16:creationId xmlns:a16="http://schemas.microsoft.com/office/drawing/2014/main" id="{4FA3146C-C873-43F9-9004-6B3B0B0832AC}"/>
+              </a:ext>
+            </a:extLst>
+          </p:cNvPr>
+          <p:cNvPicPr>
+            <a:picLocks noChangeAspect="1"/>
+          </p:cNvPicPr>
+          <p:nvPr/>
+        </p:nvPicPr>
+        <p:blipFill>
+          <a:blip r:embed="rId2">
+            <a:extLst>
+              <a:ext uri="{28A0092B-C50C-407E-A947-70E740481C1C}">
+                <a14:useLocalDpi xmlns:a14="http://schemas.microsoft.com/office/drawing/2010/main" val="0"/>
+              </a:ext>
+            </a:extLst>
+          </a:blip>
+          <a:stretch>
+            <a:fillRect/>
+          </a:stretch>
+        </p:blipFill>
+        <p:spPr>
+          <a:xfrm>
+            <a:off x="179131" y="6917219"/>
+            <a:ext cx="3525675" cy="771837"/>
+          </a:xfrm>
+          <a:prstGeom prst="rect">
+            <a:avLst/>
+          </a:prstGeom>
+        </p:spPr>
+      </p:pic>
+      <p:sp>
+        <p:nvSpPr>
+          <p:cNvPr id="28" name="제목 27">
+            <a:extLst>
+              <a:ext uri="{FF2B5EF4-FFF2-40B4-BE49-F238E27FC236}">
+                <a16:creationId xmlns:a16="http://schemas.microsoft.com/office/drawing/2014/main" id="{915036D7-6872-454E-9683-74DC284D3DD7}"/>
+              </a:ext>
+            </a:extLst>
+          </p:cNvPr>
+          <p:cNvSpPr>
+            <a:spLocks noGrp="1"/>
+          </p:cNvSpPr>
+          <p:nvPr>
+            <p:ph type="title"/>
+          </p:nvPr>
+        </p:nvSpPr>
+        <p:spPr/>
+        <p:txBody>
+          <a:bodyPr/>
+          <a:lstStyle/>
+          <a:p>
+            <a:endParaRPr lang="ko-KR" altLang="en-US"/>
+          </a:p>
+        </p:txBody>
+      </p:sp>
+      <p:sp>
+        <p:nvSpPr>
+          <p:cNvPr id="29" name="제목 1">
+            <a:extLst>
+              <a:ext uri="{FF2B5EF4-FFF2-40B4-BE49-F238E27FC236}">
+                <a16:creationId xmlns:a16="http://schemas.microsoft.com/office/drawing/2014/main" id="{0F717D8A-86F0-45C9-B01D-337600F9BF1D}"/>
+              </a:ext>
+            </a:extLst>
+          </p:cNvPr>
+          <p:cNvSpPr txBox="1">
+            <a:spLocks/>
+          </p:cNvSpPr>
+          <p:nvPr/>
+        </p:nvSpPr>
+        <p:spPr>
+          <a:xfrm>
+            <a:off x="0" y="1"/>
+            <a:ext cx="12191999" cy="1453881"/>
+          </a:xfrm>
+          <a:prstGeom prst="rect">
+            <a:avLst/>
+          </a:prstGeom>
+          <a:solidFill>
+            <a:schemeClr val="bg1"/>
+          </a:solidFill>
+        </p:spPr>
+        <p:txBody>
+          <a:bodyPr vert="horz" lIns="91440" tIns="45720" rIns="91440" bIns="45720" rtlCol="0" anchor="ctr">
+            <a:normAutofit/>
+          </a:bodyPr>
+          <a:lstStyle>
+            <a:lvl1pPr algn="l" defTabSz="914400" rtl="0" eaLnBrk="1" latinLnBrk="1" hangingPunct="1">
+              <a:lnSpc>
+                <a:spcPct val="90000"/>
+              </a:lnSpc>
+              <a:spcBef>
+                <a:spcPct val="0"/>
+              </a:spcBef>
+              <a:buNone/>
+              <a:defRPr sz="4400" kern="1200">
+                <a:solidFill>
+                  <a:schemeClr val="tx1"/>
+                </a:solidFill>
+                <a:latin typeface="+mj-lt"/>
+                <a:ea typeface="+mj-ea"/>
+                <a:cs typeface="+mj-cs"/>
+              </a:defRPr>
+            </a:lvl1pPr>
+          </a:lstStyle>
+          <a:p>
+            <a:pPr algn="ctr"/>
+            <a:r>
+              <a:rPr lang="en-US" altLang="ko-KR" dirty="0"/>
+              <a:t>3. Tomcat</a:t>
+            </a:r>
+            <a:r>
+              <a:rPr lang="ko-KR" altLang="en-US" dirty="0"/>
+              <a:t>설치 </a:t>
+            </a:r>
+            <a:r>
+              <a:rPr lang="en-US" altLang="ko-KR" dirty="0"/>
+              <a:t>+ </a:t>
+            </a:r>
+            <a:r>
+              <a:rPr lang="ko-KR" altLang="en-US" dirty="0"/>
+              <a:t>설정</a:t>
+            </a:r>
+          </a:p>
+        </p:txBody>
+      </p:sp>
+      <p:sp>
+        <p:nvSpPr>
+          <p:cNvPr id="3" name="내용 개체 틀 2">
+            <a:extLst>
+              <a:ext uri="{FF2B5EF4-FFF2-40B4-BE49-F238E27FC236}">
+                <a16:creationId xmlns:a16="http://schemas.microsoft.com/office/drawing/2014/main" id="{627FB4D3-6ECA-48D8-ABF4-0A7BB3F36D4D}"/>
+              </a:ext>
+            </a:extLst>
+          </p:cNvPr>
+          <p:cNvSpPr>
+            <a:spLocks noGrp="1"/>
+          </p:cNvSpPr>
+          <p:nvPr>
+            <p:ph idx="1"/>
+          </p:nvPr>
+        </p:nvSpPr>
+        <p:spPr/>
+        <p:txBody>
+          <a:bodyPr/>
+          <a:lstStyle/>
+          <a:p>
+            <a:endParaRPr lang="ko-KR" altLang="en-US"/>
+          </a:p>
+        </p:txBody>
+      </p:sp>
+    </p:spTree>
+    <p:extLst>
+      <p:ext uri="{BB962C8B-B14F-4D97-AF65-F5344CB8AC3E}">
+        <p14:creationId xmlns:p14="http://schemas.microsoft.com/office/powerpoint/2010/main" val="2898613084"/>
+      </p:ext>
+    </p:extLst>
+  </p:cSld>
+  <p:clrMapOvr>
+    <a:masterClrMapping/>
+  </p:clrMapOvr>
+</p:sld>
+</file>
+
+<file path=ppt/slides/slide9.xml><?xml version="1.0" encoding="utf-8"?>
+<p:sld xmlns:a="http://schemas.openxmlformats.org/drawingml/2006/main" xmlns:r="http://schemas.openxmlformats.org/officeDocument/2006/relationships" xmlns:p="http://schemas.openxmlformats.org/presentationml/2006/main">
+  <p:cSld>
+    <p:bg>
+      <p:bgPr>
+        <a:solidFill>
+          <a:srgbClr val="2C3930"/>
+        </a:solidFill>
+        <a:effectLst/>
+      </p:bgPr>
+    </p:bg>
+    <p:spTree>
+      <p:nvGrpSpPr>
+        <p:cNvPr id="1" name=""/>
+        <p:cNvGrpSpPr/>
+        <p:nvPr/>
+      </p:nvGrpSpPr>
+      <p:grpSpPr>
+        <a:xfrm>
+          <a:off x="0" y="0"/>
+          <a:ext cx="0" cy="0"/>
+          <a:chOff x="0" y="0"/>
+          <a:chExt cx="0" cy="0"/>
+        </a:xfrm>
+      </p:grpSpPr>
+      <p:pic>
+        <p:nvPicPr>
+          <p:cNvPr id="11" name="그림 10">
+            <a:extLst>
+              <a:ext uri="{FF2B5EF4-FFF2-40B4-BE49-F238E27FC236}">
+                <a16:creationId xmlns:a16="http://schemas.microsoft.com/office/drawing/2014/main" id="{4FA3146C-C873-43F9-9004-6B3B0B0832AC}"/>
+              </a:ext>
+            </a:extLst>
+          </p:cNvPr>
+          <p:cNvPicPr>
+            <a:picLocks noChangeAspect="1"/>
+          </p:cNvPicPr>
+          <p:nvPr/>
+        </p:nvPicPr>
+        <p:blipFill>
+          <a:blip r:embed="rId2">
+            <a:extLst>
+              <a:ext uri="{28A0092B-C50C-407E-A947-70E740481C1C}">
+                <a14:useLocalDpi xmlns:a14="http://schemas.microsoft.com/office/drawing/2010/main" val="0"/>
+              </a:ext>
+            </a:extLst>
+          </a:blip>
+          <a:stretch>
+            <a:fillRect/>
+          </a:stretch>
+        </p:blipFill>
+        <p:spPr>
+          <a:xfrm>
+            <a:off x="179131" y="6917219"/>
+            <a:ext cx="3525675" cy="771837"/>
+          </a:xfrm>
+          <a:prstGeom prst="rect">
+            <a:avLst/>
+          </a:prstGeom>
+        </p:spPr>
+      </p:pic>
+      <p:sp>
+        <p:nvSpPr>
+          <p:cNvPr id="28" name="제목 27">
+            <a:extLst>
+              <a:ext uri="{FF2B5EF4-FFF2-40B4-BE49-F238E27FC236}">
+                <a16:creationId xmlns:a16="http://schemas.microsoft.com/office/drawing/2014/main" id="{915036D7-6872-454E-9683-74DC284D3DD7}"/>
+              </a:ext>
+            </a:extLst>
+          </p:cNvPr>
+          <p:cNvSpPr>
+            <a:spLocks noGrp="1"/>
+          </p:cNvSpPr>
+          <p:nvPr>
+            <p:ph type="title"/>
+          </p:nvPr>
+        </p:nvSpPr>
+        <p:spPr/>
+        <p:txBody>
+          <a:bodyPr/>
+          <a:lstStyle/>
+          <a:p>
+            <a:endParaRPr lang="ko-KR" altLang="en-US"/>
+          </a:p>
+        </p:txBody>
+      </p:sp>
+      <p:sp>
+        <p:nvSpPr>
+          <p:cNvPr id="16" name="제목 1">
+            <a:extLst>
+              <a:ext uri="{FF2B5EF4-FFF2-40B4-BE49-F238E27FC236}">
+                <a16:creationId xmlns:a16="http://schemas.microsoft.com/office/drawing/2014/main" id="{5049740A-9CC5-4F4C-87AB-4B8CF08C9CE1}"/>
+              </a:ext>
+            </a:extLst>
+          </p:cNvPr>
+          <p:cNvSpPr txBox="1">
+            <a:spLocks/>
+          </p:cNvSpPr>
+          <p:nvPr/>
+        </p:nvSpPr>
+        <p:spPr>
+          <a:xfrm>
+            <a:off x="0" y="1"/>
+            <a:ext cx="12191999" cy="1453881"/>
+          </a:xfrm>
+          <a:prstGeom prst="rect">
+            <a:avLst/>
+          </a:prstGeom>
+          <a:solidFill>
+            <a:schemeClr val="bg1"/>
+          </a:solidFill>
+        </p:spPr>
+        <p:txBody>
+          <a:bodyPr vert="horz" lIns="91440" tIns="45720" rIns="91440" bIns="45720" rtlCol="0" anchor="ctr">
+            <a:normAutofit/>
+          </a:bodyPr>
+          <a:lstStyle>
+            <a:lvl1pPr algn="l" defTabSz="914400" rtl="0" eaLnBrk="1" latinLnBrk="1" hangingPunct="1">
+              <a:lnSpc>
+                <a:spcPct val="90000"/>
+              </a:lnSpc>
+              <a:spcBef>
+                <a:spcPct val="0"/>
+              </a:spcBef>
+              <a:buNone/>
+              <a:defRPr sz="4400" kern="1200">
+                <a:solidFill>
+                  <a:schemeClr val="tx1"/>
+                </a:solidFill>
+                <a:latin typeface="+mj-lt"/>
+                <a:ea typeface="+mj-ea"/>
+                <a:cs typeface="+mj-cs"/>
+              </a:defRPr>
+            </a:lvl1pPr>
+          </a:lstStyle>
+          <a:p>
+            <a:pPr algn="ctr"/>
+            <a:r>
+              <a:rPr lang="en-US" altLang="ko-KR" dirty="0"/>
+              <a:t>3. Tomcat</a:t>
+            </a:r>
+            <a:r>
+              <a:rPr lang="ko-KR" altLang="en-US" dirty="0"/>
+              <a:t>설치 </a:t>
+            </a:r>
+            <a:r>
+              <a:rPr lang="en-US" altLang="ko-KR" dirty="0"/>
+              <a:t>+ </a:t>
+            </a:r>
+            <a:r>
+              <a:rPr lang="ko-KR" altLang="en-US" dirty="0"/>
+              <a:t>설정</a:t>
+            </a:r>
+          </a:p>
+        </p:txBody>
+      </p:sp>
+    </p:spTree>
+    <p:extLst>
+      <p:ext uri="{BB962C8B-B14F-4D97-AF65-F5344CB8AC3E}">
+        <p14:creationId xmlns:p14="http://schemas.microsoft.com/office/powerpoint/2010/main" val="3051921571"/>
       </p:ext>
     </p:extLst>
   </p:cSld>
